--- a/sponsor_loop.pptx
+++ b/sponsor_loop.pptx
@@ -216,7 +216,7 @@
           <a:p>
             <a:fld id="{26E10EF1-F557-9D42-8470-2B3785BDEEB4}" type="datetimeFigureOut">
               <a:rPr lang="en-US" smtClean="0"/>
-              <a:t>6/5/15</a:t>
+              <a:t>6/8/15</a:t>
             </a:fld>
             <a:endParaRPr lang="en-US"/>
           </a:p>
@@ -381,7 +381,7 @@
           <a:p>
             <a:fld id="{D5D9DE3C-3904-FC48-ACCA-1FAF6D8E369F}" type="datetimeFigureOut">
               <a:rPr lang="en-US" smtClean="0"/>
-              <a:t>6/5/15</a:t>
+              <a:t>6/8/15</a:t>
             </a:fld>
             <a:endParaRPr lang="en-US"/>
           </a:p>

--- a/sponsor_loop.pptx
+++ b/sponsor_loop.pptx
@@ -216,7 +216,7 @@
           <a:p>
             <a:fld id="{26E10EF1-F557-9D42-8470-2B3785BDEEB4}" type="datetimeFigureOut">
               <a:rPr lang="en-US" smtClean="0"/>
-              <a:t>6/8/15</a:t>
+              <a:t>6/10/15</a:t>
             </a:fld>
             <a:endParaRPr lang="en-US"/>
           </a:p>
@@ -381,7 +381,7 @@
           <a:p>
             <a:fld id="{D5D9DE3C-3904-FC48-ACCA-1FAF6D8E369F}" type="datetimeFigureOut">
               <a:rPr lang="en-US" smtClean="0"/>
-              <a:t>6/8/15</a:t>
+              <a:t>6/10/15</a:t>
             </a:fld>
             <a:endParaRPr lang="en-US"/>
           </a:p>
@@ -6595,17 +6595,27 @@
           </a:p>
         </p:txBody>
       </p:sp>
+      <p:sp>
+        <p:nvSpPr>
+          <p:cNvPr id="4" name="Picture Placeholder 3"/>
+          <p:cNvSpPr>
+            <a:spLocks noGrp="1"/>
+          </p:cNvSpPr>
+          <p:nvPr>
+            <p:ph type="pic" sz="quarter" idx="14"/>
+          </p:nvPr>
+        </p:nvSpPr>
+        <p:spPr/>
+      </p:sp>
       <p:pic>
         <p:nvPicPr>
-          <p:cNvPr id="5" name="Picture 2"/>
+          <p:cNvPr id="6" name="Picture Placeholder 5" descr="logo_by_luminal-01 (1).jpg"/>
           <p:cNvPicPr>
-            <a:picLocks noGrp="1" noChangeAspect="1" noChangeArrowheads="1"/>
+            <a:picLocks noChangeAspect="1"/>
           </p:cNvPicPr>
-          <p:nvPr>
-            <p:ph type="pic" sz="quarter" idx="14"/>
-          </p:nvPr>
+          <p:nvPr/>
         </p:nvPicPr>
-        <p:blipFill>
+        <p:blipFill rotWithShape="1">
           <a:blip r:embed="rId2">
             <a:extLst>
               <a:ext uri="{28A0092B-C50C-407E-A947-70E740481C1C}">
@@ -6613,48 +6623,17 @@
               </a:ext>
             </a:extLst>
           </a:blip>
-          <a:srcRect t="-21608" b="-21608"/>
-          <a:stretch>
-            <a:fillRect/>
-          </a:stretch>
+          <a:srcRect t="8320" b="22928"/>
+          <a:stretch/>
         </p:blipFill>
-        <p:spPr bwMode="auto">
+        <p:spPr>
+          <a:xfrm>
+            <a:off x="457200" y="1168400"/>
+            <a:ext cx="8229600" cy="2786196"/>
+          </a:xfrm>
           <a:prstGeom prst="rect">
             <a:avLst/>
           </a:prstGeom>
-          <a:noFill/>
-          <a:ln>
-            <a:noFill/>
-          </a:ln>
-          <a:effectLst/>
-          <a:extLst>
-            <a:ext uri="{909E8E84-426E-40dd-AFC4-6F175D3DCCD1}">
-              <a14:hiddenFill xmlns:a14="http://schemas.microsoft.com/office/drawing/2010/main">
-                <a:solidFill>
-                  <a:schemeClr val="accent1"/>
-                </a:solidFill>
-              </a14:hiddenFill>
-            </a:ext>
-            <a:ext uri="{91240B29-F687-4f45-9708-019B960494DF}">
-              <a14:hiddenLine xmlns:a14="http://schemas.microsoft.com/office/drawing/2010/main" w="9525">
-                <a:solidFill>
-                  <a:schemeClr val="tx1"/>
-                </a:solidFill>
-                <a:miter lim="800000"/>
-                <a:headEnd/>
-                <a:tailEnd/>
-              </a14:hiddenLine>
-            </a:ext>
-            <a:ext uri="{AF507438-7753-43e0-B8FC-AC1667EBCBE1}">
-              <a14:hiddenEffects xmlns:a14="http://schemas.microsoft.com/office/drawing/2010/main">
-                <a:effectLst>
-                  <a:outerShdw dist="35921" dir="2700000" algn="ctr" rotWithShape="0">
-                    <a:schemeClr val="bg2"/>
-                  </a:outerShdw>
-                </a:effectLst>
-              </a14:hiddenEffects>
-            </a:ext>
-          </a:extLst>
         </p:spPr>
       </p:pic>
     </p:spTree>

--- a/sponsor_loop.pptx
+++ b/sponsor_loop.pptx
@@ -5,34 +5,40 @@
     <p:sldMasterId id="2147483648" r:id="rId1"/>
   </p:sldMasterIdLst>
   <p:notesMasterIdLst>
-    <p:notesMasterId r:id="rId24"/>
+    <p:notesMasterId r:id="rId30"/>
   </p:notesMasterIdLst>
   <p:handoutMasterIdLst>
-    <p:handoutMasterId r:id="rId25"/>
+    <p:handoutMasterId r:id="rId31"/>
   </p:handoutMasterIdLst>
   <p:sldIdLst>
-    <p:sldId id="270" r:id="rId2"/>
-    <p:sldId id="256" r:id="rId3"/>
-    <p:sldId id="257" r:id="rId4"/>
-    <p:sldId id="258" r:id="rId5"/>
-    <p:sldId id="259" r:id="rId6"/>
-    <p:sldId id="260" r:id="rId7"/>
-    <p:sldId id="261" r:id="rId8"/>
-    <p:sldId id="262" r:id="rId9"/>
-    <p:sldId id="263" r:id="rId10"/>
-    <p:sldId id="267" r:id="rId11"/>
-    <p:sldId id="265" r:id="rId12"/>
-    <p:sldId id="266" r:id="rId13"/>
-    <p:sldId id="268" r:id="rId14"/>
-    <p:sldId id="269" r:id="rId15"/>
-    <p:sldId id="271" r:id="rId16"/>
-    <p:sldId id="272" r:id="rId17"/>
-    <p:sldId id="273" r:id="rId18"/>
-    <p:sldId id="274" r:id="rId19"/>
-    <p:sldId id="275" r:id="rId20"/>
-    <p:sldId id="276" r:id="rId21"/>
-    <p:sldId id="277" r:id="rId22"/>
-    <p:sldId id="278" r:id="rId23"/>
+    <p:sldId id="279" r:id="rId2"/>
+    <p:sldId id="270" r:id="rId3"/>
+    <p:sldId id="256" r:id="rId4"/>
+    <p:sldId id="257" r:id="rId5"/>
+    <p:sldId id="258" r:id="rId6"/>
+    <p:sldId id="280" r:id="rId7"/>
+    <p:sldId id="259" r:id="rId8"/>
+    <p:sldId id="260" r:id="rId9"/>
+    <p:sldId id="261" r:id="rId10"/>
+    <p:sldId id="262" r:id="rId11"/>
+    <p:sldId id="281" r:id="rId12"/>
+    <p:sldId id="263" r:id="rId13"/>
+    <p:sldId id="267" r:id="rId14"/>
+    <p:sldId id="265" r:id="rId15"/>
+    <p:sldId id="266" r:id="rId16"/>
+    <p:sldId id="282" r:id="rId17"/>
+    <p:sldId id="268" r:id="rId18"/>
+    <p:sldId id="269" r:id="rId19"/>
+    <p:sldId id="271" r:id="rId20"/>
+    <p:sldId id="272" r:id="rId21"/>
+    <p:sldId id="283" r:id="rId22"/>
+    <p:sldId id="273" r:id="rId23"/>
+    <p:sldId id="274" r:id="rId24"/>
+    <p:sldId id="275" r:id="rId25"/>
+    <p:sldId id="276" r:id="rId26"/>
+    <p:sldId id="284" r:id="rId27"/>
+    <p:sldId id="277" r:id="rId28"/>
+    <p:sldId id="278" r:id="rId29"/>
   </p:sldIdLst>
   <p:sldSz cx="9144000" cy="5143500" type="screen16x9"/>
   <p:notesSz cx="6858000" cy="9144000"/>
@@ -216,7 +222,7 @@
           <a:p>
             <a:fld id="{26E10EF1-F557-9D42-8470-2B3785BDEEB4}" type="datetimeFigureOut">
               <a:rPr lang="en-US" smtClean="0"/>
-              <a:t>6/10/15</a:t>
+              <a:t>6/11/15</a:t>
             </a:fld>
             <a:endParaRPr lang="en-US"/>
           </a:p>
@@ -381,7 +387,7 @@
           <a:p>
             <a:fld id="{D5D9DE3C-3904-FC48-ACCA-1FAF6D8E369F}" type="datetimeFigureOut">
               <a:rPr lang="en-US" smtClean="0"/>
-              <a:t>6/10/15</a:t>
+              <a:t>6/11/15</a:t>
             </a:fld>
             <a:endParaRPr lang="en-US"/>
           </a:p>
@@ -4274,6 +4280,100 @@
       </p:grpSpPr>
       <p:sp>
         <p:nvSpPr>
+          <p:cNvPr id="5" name="Title 4"/>
+          <p:cNvSpPr>
+            <a:spLocks noGrp="1"/>
+          </p:cNvSpPr>
+          <p:nvPr>
+            <p:ph type="ctrTitle"/>
+          </p:nvPr>
+        </p:nvSpPr>
+        <p:spPr/>
+        <p:txBody>
+          <a:bodyPr/>
+          <a:lstStyle/>
+          <a:p>
+            <a:r>
+              <a:rPr lang="en-US" dirty="0" err="1" smtClean="0"/>
+              <a:t>DevOpsDays</a:t>
+            </a:r>
+            <a:r>
+              <a:rPr lang="en-US" dirty="0" smtClean="0"/>
+              <a:t> DC</a:t>
+            </a:r>
+            <a:endParaRPr lang="en-US" dirty="0"/>
+          </a:p>
+        </p:txBody>
+      </p:sp>
+      <p:sp>
+        <p:nvSpPr>
+          <p:cNvPr id="6" name="Subtitle 5"/>
+          <p:cNvSpPr>
+            <a:spLocks noGrp="1"/>
+          </p:cNvSpPr>
+          <p:nvPr>
+            <p:ph type="subTitle" idx="1"/>
+          </p:nvPr>
+        </p:nvSpPr>
+        <p:spPr/>
+        <p:txBody>
+          <a:bodyPr/>
+          <a:lstStyle/>
+          <a:p>
+            <a:r>
+              <a:rPr lang="en-US" dirty="0"/>
+              <a:t>A house divided against itself cannot stand.</a:t>
+            </a:r>
+          </a:p>
+        </p:txBody>
+      </p:sp>
+    </p:spTree>
+    <p:extLst>
+      <p:ext uri="{BB962C8B-B14F-4D97-AF65-F5344CB8AC3E}">
+        <p14:creationId xmlns:p14="http://schemas.microsoft.com/office/powerpoint/2010/main" val="2663634300"/>
+      </p:ext>
+    </p:extLst>
+  </p:cSld>
+  <p:clrMapOvr>
+    <a:masterClrMapping/>
+  </p:clrMapOvr>
+  <mc:AlternateContent xmlns:mc="http://schemas.openxmlformats.org/markup-compatibility/2006">
+    <mc:Choice xmlns:p14="http://schemas.microsoft.com/office/powerpoint/2010/main" Requires="p14">
+      <p:transition spd="slow" p14:dur="2000" advTm="5000"/>
+    </mc:Choice>
+    <mc:Fallback>
+      <p:transition xmlns:p14="http://schemas.microsoft.com/office/powerpoint/2010/main" spd="slow" advTm="5000"/>
+    </mc:Fallback>
+  </mc:AlternateContent>
+  <p:timing>
+    <p:tnLst>
+      <p:par>
+        <p:cTn xmlns:p14="http://schemas.microsoft.com/office/powerpoint/2010/main" id="1" dur="indefinite" restart="never" nodeType="tmRoot"/>
+      </p:par>
+    </p:tnLst>
+  </p:timing>
+</p:sld>
+</file>
+
+<file path=ppt/slides/slide10.xml><?xml version="1.0" encoding="utf-8"?>
+<p:sld xmlns:a="http://schemas.openxmlformats.org/drawingml/2006/main" xmlns:r="http://schemas.openxmlformats.org/officeDocument/2006/relationships" xmlns:p="http://schemas.openxmlformats.org/presentationml/2006/main">
+  <p:cSld>
+    <p:spTree>
+      <p:nvGrpSpPr>
+        <p:cNvPr id="1" name=""/>
+        <p:cNvGrpSpPr/>
+        <p:nvPr/>
+      </p:nvGrpSpPr>
+      <p:grpSpPr>
+        <a:xfrm>
+          <a:off x="0" y="0"/>
+          <a:ext cx="0" cy="0"/>
+          <a:chOff x="0" y="0"/>
+          <a:chExt cx="0" cy="0"/>
+        </a:xfrm>
+      </p:grpSpPr>
+      <p:sp>
+        <p:nvSpPr>
           <p:cNvPr id="2" name="Title 1"/>
           <p:cNvSpPr>
             <a:spLocks noGrp="1"/>
@@ -4289,7 +4389,7 @@
           <a:p>
             <a:r>
               <a:rPr lang="en-US" dirty="0" smtClean="0"/>
-              <a:t>Platinum &amp; Location Sponsor</a:t>
+              <a:t>Platinum Sponsor</a:t>
             </a:r>
             <a:endParaRPr lang="en-US" dirty="0"/>
           </a:p>
@@ -4312,11 +4412,7 @@
           <a:p>
             <a:r>
               <a:rPr lang="en-US" dirty="0" smtClean="0"/>
-              <a:t>@</a:t>
-            </a:r>
-            <a:r>
-              <a:rPr lang="en-US" dirty="0" err="1" smtClean="0"/>
-              <a:t>uspto</a:t>
+              <a:t>@chef</a:t>
             </a:r>
             <a:endParaRPr lang="en-US" dirty="0"/>
           </a:p>
@@ -4324,7 +4420,7 @@
       </p:sp>
       <p:pic>
         <p:nvPicPr>
-          <p:cNvPr id="6" name="Picture 2" descr="http://www.commerce.gov/sites/commerce.gov/files/media/images/branding/uspto_seal_full_color.jpg"/>
+          <p:cNvPr id="7" name="Picture 2" descr="http://upload.wikimedia.org/wikipedia/en/5/56/Chef_Software_Inc._company_logo.png"/>
           <p:cNvPicPr>
             <a:picLocks noGrp="1" noChangeAspect="1" noChangeArrowheads="1"/>
           </p:cNvPicPr>
@@ -4333,14 +4429,14 @@
           </p:nvPr>
         </p:nvPicPr>
         <p:blipFill>
-          <a:blip r:embed="rId2">
+          <a:blip r:embed="rId2" cstate="print">
             <a:extLst>
               <a:ext uri="{28A0092B-C50C-407E-A947-70E740481C1C}">
                 <a14:useLocalDpi xmlns:a14="http://schemas.microsoft.com/office/drawing/2010/main" val="0"/>
               </a:ext>
             </a:extLst>
           </a:blip>
-          <a:srcRect l="-10299" r="-10299"/>
+          <a:srcRect l="-83227" r="-83227"/>
           <a:stretch>
             <a:fillRect/>
           </a:stretch>
@@ -4364,7 +4460,7 @@
     </p:spTree>
     <p:extLst>
       <p:ext uri="{BB962C8B-B14F-4D97-AF65-F5344CB8AC3E}">
-        <p14:creationId xmlns:p14="http://schemas.microsoft.com/office/powerpoint/2010/main" val="3519626886"/>
+        <p14:creationId xmlns:p14="http://schemas.microsoft.com/office/powerpoint/2010/main" val="120216747"/>
       </p:ext>
     </p:extLst>
   </p:cSld>
@@ -4384,7 +4480,234 @@
 </p:sld>
 </file>
 
-<file path=ppt/slides/slide10.xml><?xml version="1.0" encoding="utf-8"?>
+<file path=ppt/slides/slide11.xml><?xml version="1.0" encoding="utf-8"?>
+<p:sld xmlns:a="http://schemas.openxmlformats.org/drawingml/2006/main" xmlns:r="http://schemas.openxmlformats.org/officeDocument/2006/relationships" xmlns:p="http://schemas.openxmlformats.org/presentationml/2006/main">
+  <p:cSld>
+    <p:spTree>
+      <p:nvGrpSpPr>
+        <p:cNvPr id="1" name=""/>
+        <p:cNvGrpSpPr/>
+        <p:nvPr/>
+      </p:nvGrpSpPr>
+      <p:grpSpPr>
+        <a:xfrm>
+          <a:off x="0" y="0"/>
+          <a:ext cx="0" cy="0"/>
+          <a:chOff x="0" y="0"/>
+          <a:chExt cx="0" cy="0"/>
+        </a:xfrm>
+      </p:grpSpPr>
+      <p:sp>
+        <p:nvSpPr>
+          <p:cNvPr id="5" name="Title 4"/>
+          <p:cNvSpPr>
+            <a:spLocks noGrp="1"/>
+          </p:cNvSpPr>
+          <p:nvPr>
+            <p:ph type="ctrTitle"/>
+          </p:nvPr>
+        </p:nvSpPr>
+        <p:spPr/>
+        <p:txBody>
+          <a:bodyPr/>
+          <a:lstStyle/>
+          <a:p>
+            <a:r>
+              <a:rPr lang="en-US" dirty="0" err="1" smtClean="0"/>
+              <a:t>DevOpsDays</a:t>
+            </a:r>
+            <a:r>
+              <a:rPr lang="en-US" dirty="0" smtClean="0"/>
+              <a:t> DC</a:t>
+            </a:r>
+            <a:endParaRPr lang="en-US" dirty="0"/>
+          </a:p>
+        </p:txBody>
+      </p:sp>
+      <p:sp>
+        <p:nvSpPr>
+          <p:cNvPr id="6" name="Subtitle 5"/>
+          <p:cNvSpPr>
+            <a:spLocks noGrp="1"/>
+          </p:cNvSpPr>
+          <p:nvPr>
+            <p:ph type="subTitle" idx="1"/>
+          </p:nvPr>
+        </p:nvSpPr>
+        <p:spPr/>
+        <p:txBody>
+          <a:bodyPr/>
+          <a:lstStyle/>
+          <a:p>
+            <a:r>
+              <a:rPr lang="en-US" dirty="0"/>
+              <a:t>A house divided against itself cannot stand.</a:t>
+            </a:r>
+          </a:p>
+        </p:txBody>
+      </p:sp>
+    </p:spTree>
+    <p:extLst>
+      <p:ext uri="{BB962C8B-B14F-4D97-AF65-F5344CB8AC3E}">
+        <p14:creationId xmlns:p14="http://schemas.microsoft.com/office/powerpoint/2010/main" val="1940092194"/>
+      </p:ext>
+    </p:extLst>
+  </p:cSld>
+  <p:clrMapOvr>
+    <a:masterClrMapping/>
+  </p:clrMapOvr>
+  <mc:AlternateContent xmlns:mc="http://schemas.openxmlformats.org/markup-compatibility/2006">
+    <mc:Choice xmlns:p14="http://schemas.microsoft.com/office/powerpoint/2010/main" Requires="p14">
+      <p:transition spd="slow" p14:dur="2000" advTm="3000"/>
+    </mc:Choice>
+    <mc:Fallback>
+      <p:transition xmlns:p14="http://schemas.microsoft.com/office/powerpoint/2010/main" spd="slow" advTm="3000"/>
+    </mc:Fallback>
+  </mc:AlternateContent>
+</p:sld>
+</file>
+
+<file path=ppt/slides/slide12.xml><?xml version="1.0" encoding="utf-8"?>
+<p:sld xmlns:a="http://schemas.openxmlformats.org/drawingml/2006/main" xmlns:r="http://schemas.openxmlformats.org/officeDocument/2006/relationships" xmlns:p="http://schemas.openxmlformats.org/presentationml/2006/main">
+  <p:cSld>
+    <p:spTree>
+      <p:nvGrpSpPr>
+        <p:cNvPr id="1" name=""/>
+        <p:cNvGrpSpPr/>
+        <p:nvPr/>
+      </p:nvGrpSpPr>
+      <p:grpSpPr>
+        <a:xfrm>
+          <a:off x="0" y="0"/>
+          <a:ext cx="0" cy="0"/>
+          <a:chOff x="0" y="0"/>
+          <a:chExt cx="0" cy="0"/>
+        </a:xfrm>
+      </p:grpSpPr>
+      <p:sp>
+        <p:nvSpPr>
+          <p:cNvPr id="2" name="Title 1"/>
+          <p:cNvSpPr>
+            <a:spLocks noGrp="1"/>
+          </p:cNvSpPr>
+          <p:nvPr>
+            <p:ph type="title"/>
+          </p:nvPr>
+        </p:nvSpPr>
+        <p:spPr/>
+        <p:txBody>
+          <a:bodyPr/>
+          <a:lstStyle/>
+          <a:p>
+            <a:r>
+              <a:rPr lang="en-US" dirty="0" smtClean="0"/>
+              <a:t>Platinum Sponsor</a:t>
+            </a:r>
+            <a:endParaRPr lang="en-US" dirty="0"/>
+          </a:p>
+        </p:txBody>
+      </p:sp>
+      <p:sp>
+        <p:nvSpPr>
+          <p:cNvPr id="3" name="Text Placeholder 2"/>
+          <p:cNvSpPr>
+            <a:spLocks noGrp="1"/>
+          </p:cNvSpPr>
+          <p:nvPr>
+            <p:ph type="body" sz="quarter" idx="13"/>
+          </p:nvPr>
+        </p:nvSpPr>
+        <p:spPr/>
+        <p:txBody>
+          <a:bodyPr/>
+          <a:lstStyle/>
+          <a:p>
+            <a:r>
+              <a:rPr lang="en-US" dirty="0" smtClean="0"/>
+              <a:t>@elastic</a:t>
+            </a:r>
+            <a:endParaRPr lang="en-US" dirty="0"/>
+          </a:p>
+        </p:txBody>
+      </p:sp>
+      <p:pic>
+        <p:nvPicPr>
+          <p:cNvPr id="8" name="Picture 4"/>
+          <p:cNvPicPr>
+            <a:picLocks noGrp="1" noChangeAspect="1" noChangeArrowheads="1"/>
+          </p:cNvPicPr>
+          <p:nvPr>
+            <p:ph type="pic" sz="quarter" idx="14"/>
+          </p:nvPr>
+        </p:nvPicPr>
+        <p:blipFill rotWithShape="1">
+          <a:blip r:embed="rId2">
+            <a:extLst>
+              <a:ext uri="{28A0092B-C50C-407E-A947-70E740481C1C}">
+                <a14:useLocalDpi xmlns:a14="http://schemas.microsoft.com/office/drawing/2010/main" val="0"/>
+              </a:ext>
+            </a:extLst>
+          </a:blip>
+          <a:srcRect t="-8513" b="9995"/>
+          <a:stretch/>
+        </p:blipFill>
+        <p:spPr bwMode="auto">
+          <a:xfrm>
+            <a:off x="457200" y="1168400"/>
+            <a:ext cx="8229600" cy="2843927"/>
+          </a:xfrm>
+          <a:prstGeom prst="rect">
+            <a:avLst/>
+          </a:prstGeom>
+          <a:noFill/>
+          <a:ln>
+            <a:noFill/>
+          </a:ln>
+          <a:extLst>
+            <a:ext uri="{909E8E84-426E-40dd-AFC4-6F175D3DCCD1}">
+              <a14:hiddenFill xmlns:a14="http://schemas.microsoft.com/office/drawing/2010/main">
+                <a:solidFill>
+                  <a:schemeClr val="accent1"/>
+                </a:solidFill>
+              </a14:hiddenFill>
+            </a:ext>
+            <a:ext uri="{91240B29-F687-4f45-9708-019B960494DF}">
+              <a14:hiddenLine xmlns:a14="http://schemas.microsoft.com/office/drawing/2010/main" w="9525">
+                <a:solidFill>
+                  <a:schemeClr val="tx1"/>
+                </a:solidFill>
+                <a:miter lim="800000"/>
+                <a:headEnd/>
+                <a:tailEnd/>
+              </a14:hiddenLine>
+            </a:ext>
+          </a:extLst>
+        </p:spPr>
+      </p:pic>
+    </p:spTree>
+    <p:extLst>
+      <p:ext uri="{BB962C8B-B14F-4D97-AF65-F5344CB8AC3E}">
+        <p14:creationId xmlns:p14="http://schemas.microsoft.com/office/powerpoint/2010/main" val="3926653437"/>
+      </p:ext>
+    </p:extLst>
+  </p:cSld>
+  <p:clrMapOvr>
+    <a:masterClrMapping/>
+  </p:clrMapOvr>
+  <p:transition xmlns:p14="http://schemas.microsoft.com/office/powerpoint/2010/main" spd="slow" advTm="5000">
+    <p:push dir="u"/>
+  </p:transition>
+  <p:timing>
+    <p:tnLst>
+      <p:par>
+        <p:cTn xmlns:p14="http://schemas.microsoft.com/office/powerpoint/2010/main" id="1" dur="indefinite" restart="never" nodeType="tmRoot"/>
+      </p:par>
+    </p:tnLst>
+  </p:timing>
+</p:sld>
+</file>
+
+<file path=ppt/slides/slide13.xml><?xml version="1.0" encoding="utf-8"?>
 <p:sld xmlns:a="http://schemas.openxmlformats.org/drawingml/2006/main" xmlns:r="http://schemas.openxmlformats.org/officeDocument/2006/relationships" xmlns:p="http://schemas.openxmlformats.org/presentationml/2006/main">
   <p:cSld>
     <p:spTree>
@@ -4530,7 +4853,7 @@
 </p:sld>
 </file>
 
-<file path=ppt/slides/slide11.xml><?xml version="1.0" encoding="utf-8"?>
+<file path=ppt/slides/slide14.xml><?xml version="1.0" encoding="utf-8"?>
 <p:sld xmlns:a="http://schemas.openxmlformats.org/drawingml/2006/main" xmlns:r="http://schemas.openxmlformats.org/officeDocument/2006/relationships" xmlns:p="http://schemas.openxmlformats.org/presentationml/2006/main">
   <p:cSld>
     <p:spTree>
@@ -4686,7 +5009,7 @@
 </p:sld>
 </file>
 
-<file path=ppt/slides/slide12.xml><?xml version="1.0" encoding="utf-8"?>
+<file path=ppt/slides/slide15.xml><?xml version="1.0" encoding="utf-8"?>
 <p:sld xmlns:a="http://schemas.openxmlformats.org/drawingml/2006/main" xmlns:r="http://schemas.openxmlformats.org/officeDocument/2006/relationships" xmlns:p="http://schemas.openxmlformats.org/presentationml/2006/main">
   <p:cSld>
     <p:spTree>
@@ -4830,7 +5153,94 @@
 </p:sld>
 </file>
 
-<file path=ppt/slides/slide13.xml><?xml version="1.0" encoding="utf-8"?>
+<file path=ppt/slides/slide16.xml><?xml version="1.0" encoding="utf-8"?>
+<p:sld xmlns:a="http://schemas.openxmlformats.org/drawingml/2006/main" xmlns:r="http://schemas.openxmlformats.org/officeDocument/2006/relationships" xmlns:p="http://schemas.openxmlformats.org/presentationml/2006/main">
+  <p:cSld>
+    <p:spTree>
+      <p:nvGrpSpPr>
+        <p:cNvPr id="1" name=""/>
+        <p:cNvGrpSpPr/>
+        <p:nvPr/>
+      </p:nvGrpSpPr>
+      <p:grpSpPr>
+        <a:xfrm>
+          <a:off x="0" y="0"/>
+          <a:ext cx="0" cy="0"/>
+          <a:chOff x="0" y="0"/>
+          <a:chExt cx="0" cy="0"/>
+        </a:xfrm>
+      </p:grpSpPr>
+      <p:sp>
+        <p:nvSpPr>
+          <p:cNvPr id="5" name="Title 4"/>
+          <p:cNvSpPr>
+            <a:spLocks noGrp="1"/>
+          </p:cNvSpPr>
+          <p:nvPr>
+            <p:ph type="ctrTitle"/>
+          </p:nvPr>
+        </p:nvSpPr>
+        <p:spPr/>
+        <p:txBody>
+          <a:bodyPr/>
+          <a:lstStyle/>
+          <a:p>
+            <a:r>
+              <a:rPr lang="en-US" dirty="0" err="1" smtClean="0"/>
+              <a:t>DevOpsDays</a:t>
+            </a:r>
+            <a:r>
+              <a:rPr lang="en-US" dirty="0" smtClean="0"/>
+              <a:t> DC</a:t>
+            </a:r>
+            <a:endParaRPr lang="en-US" dirty="0"/>
+          </a:p>
+        </p:txBody>
+      </p:sp>
+      <p:sp>
+        <p:nvSpPr>
+          <p:cNvPr id="6" name="Subtitle 5"/>
+          <p:cNvSpPr>
+            <a:spLocks noGrp="1"/>
+          </p:cNvSpPr>
+          <p:nvPr>
+            <p:ph type="subTitle" idx="1"/>
+          </p:nvPr>
+        </p:nvSpPr>
+        <p:spPr/>
+        <p:txBody>
+          <a:bodyPr/>
+          <a:lstStyle/>
+          <a:p>
+            <a:r>
+              <a:rPr lang="en-US" dirty="0"/>
+              <a:t>A house divided against itself cannot stand.</a:t>
+            </a:r>
+          </a:p>
+        </p:txBody>
+      </p:sp>
+    </p:spTree>
+    <p:extLst>
+      <p:ext uri="{BB962C8B-B14F-4D97-AF65-F5344CB8AC3E}">
+        <p14:creationId xmlns:p14="http://schemas.microsoft.com/office/powerpoint/2010/main" val="1940092194"/>
+      </p:ext>
+    </p:extLst>
+  </p:cSld>
+  <p:clrMapOvr>
+    <a:masterClrMapping/>
+  </p:clrMapOvr>
+  <mc:AlternateContent xmlns:mc="http://schemas.openxmlformats.org/markup-compatibility/2006">
+    <mc:Choice xmlns:p14="http://schemas.microsoft.com/office/powerpoint/2010/main" Requires="p14">
+      <p:transition spd="slow" p14:dur="2000" advTm="3000"/>
+    </mc:Choice>
+    <mc:Fallback>
+      <p:transition xmlns:p14="http://schemas.microsoft.com/office/powerpoint/2010/main" spd="slow" advTm="3000"/>
+    </mc:Fallback>
+  </mc:AlternateContent>
+</p:sld>
+</file>
+
+<file path=ppt/slides/slide17.xml><?xml version="1.0" encoding="utf-8"?>
 <p:sld xmlns:a="http://schemas.openxmlformats.org/drawingml/2006/main" xmlns:r="http://schemas.openxmlformats.org/officeDocument/2006/relationships" xmlns:p="http://schemas.openxmlformats.org/presentationml/2006/main">
   <p:cSld>
     <p:spTree>
@@ -4972,7 +5382,7 @@
 </p:sld>
 </file>
 
-<file path=ppt/slides/slide14.xml><?xml version="1.0" encoding="utf-8"?>
+<file path=ppt/slides/slide18.xml><?xml version="1.0" encoding="utf-8"?>
 <p:sld xmlns:a="http://schemas.openxmlformats.org/drawingml/2006/main" xmlns:r="http://schemas.openxmlformats.org/officeDocument/2006/relationships" xmlns:p="http://schemas.openxmlformats.org/presentationml/2006/main">
   <p:cSld>
     <p:spTree>
@@ -5101,7 +5511,7 @@
 </p:sld>
 </file>
 
-<file path=ppt/slides/slide15.xml><?xml version="1.0" encoding="utf-8"?>
+<file path=ppt/slides/slide19.xml><?xml version="1.0" encoding="utf-8"?>
 <p:sld xmlns:a="http://schemas.openxmlformats.org/drawingml/2006/main" xmlns:r="http://schemas.openxmlformats.org/officeDocument/2006/relationships" xmlns:p="http://schemas.openxmlformats.org/presentationml/2006/main">
   <p:cSld>
     <p:spTree>
@@ -5243,7 +5653,136 @@
 </p:sld>
 </file>
 
-<file path=ppt/slides/slide16.xml><?xml version="1.0" encoding="utf-8"?>
+<file path=ppt/slides/slide2.xml><?xml version="1.0" encoding="utf-8"?>
+<p:sld xmlns:a="http://schemas.openxmlformats.org/drawingml/2006/main" xmlns:r="http://schemas.openxmlformats.org/officeDocument/2006/relationships" xmlns:p="http://schemas.openxmlformats.org/presentationml/2006/main">
+  <p:cSld>
+    <p:spTree>
+      <p:nvGrpSpPr>
+        <p:cNvPr id="1" name=""/>
+        <p:cNvGrpSpPr/>
+        <p:nvPr/>
+      </p:nvGrpSpPr>
+      <p:grpSpPr>
+        <a:xfrm>
+          <a:off x="0" y="0"/>
+          <a:ext cx="0" cy="0"/>
+          <a:chOff x="0" y="0"/>
+          <a:chExt cx="0" cy="0"/>
+        </a:xfrm>
+      </p:grpSpPr>
+      <p:sp>
+        <p:nvSpPr>
+          <p:cNvPr id="2" name="Title 1"/>
+          <p:cNvSpPr>
+            <a:spLocks noGrp="1"/>
+          </p:cNvSpPr>
+          <p:nvPr>
+            <p:ph type="title"/>
+          </p:nvPr>
+        </p:nvSpPr>
+        <p:spPr/>
+        <p:txBody>
+          <a:bodyPr/>
+          <a:lstStyle/>
+          <a:p>
+            <a:r>
+              <a:rPr lang="en-US" dirty="0" smtClean="0"/>
+              <a:t>Platinum &amp; Location Sponsor</a:t>
+            </a:r>
+            <a:endParaRPr lang="en-US" dirty="0"/>
+          </a:p>
+        </p:txBody>
+      </p:sp>
+      <p:sp>
+        <p:nvSpPr>
+          <p:cNvPr id="3" name="Text Placeholder 2"/>
+          <p:cNvSpPr>
+            <a:spLocks noGrp="1"/>
+          </p:cNvSpPr>
+          <p:nvPr>
+            <p:ph type="body" sz="quarter" idx="13"/>
+          </p:nvPr>
+        </p:nvSpPr>
+        <p:spPr/>
+        <p:txBody>
+          <a:bodyPr/>
+          <a:lstStyle/>
+          <a:p>
+            <a:r>
+              <a:rPr lang="en-US" dirty="0" smtClean="0"/>
+              <a:t>@</a:t>
+            </a:r>
+            <a:r>
+              <a:rPr lang="en-US" dirty="0" err="1" smtClean="0"/>
+              <a:t>uspto</a:t>
+            </a:r>
+            <a:endParaRPr lang="en-US" dirty="0"/>
+          </a:p>
+        </p:txBody>
+      </p:sp>
+      <p:pic>
+        <p:nvPicPr>
+          <p:cNvPr id="6" name="Picture 2" descr="http://www.commerce.gov/sites/commerce.gov/files/media/images/branding/uspto_seal_full_color.jpg"/>
+          <p:cNvPicPr>
+            <a:picLocks noGrp="1" noChangeAspect="1" noChangeArrowheads="1"/>
+          </p:cNvPicPr>
+          <p:nvPr>
+            <p:ph type="pic" sz="quarter" idx="14"/>
+          </p:nvPr>
+        </p:nvPicPr>
+        <p:blipFill>
+          <a:blip r:embed="rId2">
+            <a:extLst>
+              <a:ext uri="{28A0092B-C50C-407E-A947-70E740481C1C}">
+                <a14:useLocalDpi xmlns:a14="http://schemas.microsoft.com/office/drawing/2010/main" val="0"/>
+              </a:ext>
+            </a:extLst>
+          </a:blip>
+          <a:srcRect l="-10299" r="-10299"/>
+          <a:stretch>
+            <a:fillRect/>
+          </a:stretch>
+        </p:blipFill>
+        <p:spPr bwMode="auto">
+          <a:prstGeom prst="rect">
+            <a:avLst/>
+          </a:prstGeom>
+          <a:noFill/>
+          <a:extLst>
+            <a:ext uri="{909E8E84-426E-40dd-AFC4-6F175D3DCCD1}">
+              <a14:hiddenFill xmlns:a14="http://schemas.microsoft.com/office/drawing/2010/main">
+                <a:solidFill>
+                  <a:srgbClr val="FFFFFF"/>
+                </a:solidFill>
+              </a14:hiddenFill>
+            </a:ext>
+          </a:extLst>
+        </p:spPr>
+      </p:pic>
+    </p:spTree>
+    <p:extLst>
+      <p:ext uri="{BB962C8B-B14F-4D97-AF65-F5344CB8AC3E}">
+        <p14:creationId xmlns:p14="http://schemas.microsoft.com/office/powerpoint/2010/main" val="3519626886"/>
+      </p:ext>
+    </p:extLst>
+  </p:cSld>
+  <p:clrMapOvr>
+    <a:masterClrMapping/>
+  </p:clrMapOvr>
+  <p:transition xmlns:p14="http://schemas.microsoft.com/office/powerpoint/2010/main" spd="slow" advTm="5000">
+    <p:push dir="u"/>
+  </p:transition>
+  <p:timing>
+    <p:tnLst>
+      <p:par>
+        <p:cTn xmlns:p14="http://schemas.microsoft.com/office/powerpoint/2010/main" id="1" dur="indefinite" restart="never" nodeType="tmRoot"/>
+      </p:par>
+    </p:tnLst>
+  </p:timing>
+</p:sld>
+</file>
+
+<file path=ppt/slides/slide20.xml><?xml version="1.0" encoding="utf-8"?>
 <p:sld xmlns:a="http://schemas.openxmlformats.org/drawingml/2006/main" xmlns:r="http://schemas.openxmlformats.org/officeDocument/2006/relationships" xmlns:p="http://schemas.openxmlformats.org/presentationml/2006/main">
   <p:cSld>
     <p:spTree>
@@ -5374,7 +5913,94 @@
 </p:sld>
 </file>
 
-<file path=ppt/slides/slide17.xml><?xml version="1.0" encoding="utf-8"?>
+<file path=ppt/slides/slide21.xml><?xml version="1.0" encoding="utf-8"?>
+<p:sld xmlns:a="http://schemas.openxmlformats.org/drawingml/2006/main" xmlns:r="http://schemas.openxmlformats.org/officeDocument/2006/relationships" xmlns:p="http://schemas.openxmlformats.org/presentationml/2006/main">
+  <p:cSld>
+    <p:spTree>
+      <p:nvGrpSpPr>
+        <p:cNvPr id="1" name=""/>
+        <p:cNvGrpSpPr/>
+        <p:nvPr/>
+      </p:nvGrpSpPr>
+      <p:grpSpPr>
+        <a:xfrm>
+          <a:off x="0" y="0"/>
+          <a:ext cx="0" cy="0"/>
+          <a:chOff x="0" y="0"/>
+          <a:chExt cx="0" cy="0"/>
+        </a:xfrm>
+      </p:grpSpPr>
+      <p:sp>
+        <p:nvSpPr>
+          <p:cNvPr id="5" name="Title 4"/>
+          <p:cNvSpPr>
+            <a:spLocks noGrp="1"/>
+          </p:cNvSpPr>
+          <p:nvPr>
+            <p:ph type="ctrTitle"/>
+          </p:nvPr>
+        </p:nvSpPr>
+        <p:spPr/>
+        <p:txBody>
+          <a:bodyPr/>
+          <a:lstStyle/>
+          <a:p>
+            <a:r>
+              <a:rPr lang="en-US" dirty="0" err="1" smtClean="0"/>
+              <a:t>DevOpsDays</a:t>
+            </a:r>
+            <a:r>
+              <a:rPr lang="en-US" dirty="0" smtClean="0"/>
+              <a:t> DC</a:t>
+            </a:r>
+            <a:endParaRPr lang="en-US" dirty="0"/>
+          </a:p>
+        </p:txBody>
+      </p:sp>
+      <p:sp>
+        <p:nvSpPr>
+          <p:cNvPr id="6" name="Subtitle 5"/>
+          <p:cNvSpPr>
+            <a:spLocks noGrp="1"/>
+          </p:cNvSpPr>
+          <p:nvPr>
+            <p:ph type="subTitle" idx="1"/>
+          </p:nvPr>
+        </p:nvSpPr>
+        <p:spPr/>
+        <p:txBody>
+          <a:bodyPr/>
+          <a:lstStyle/>
+          <a:p>
+            <a:r>
+              <a:rPr lang="en-US" dirty="0"/>
+              <a:t>A house divided against itself cannot stand.</a:t>
+            </a:r>
+          </a:p>
+        </p:txBody>
+      </p:sp>
+    </p:spTree>
+    <p:extLst>
+      <p:ext uri="{BB962C8B-B14F-4D97-AF65-F5344CB8AC3E}">
+        <p14:creationId xmlns:p14="http://schemas.microsoft.com/office/powerpoint/2010/main" val="1940092194"/>
+      </p:ext>
+    </p:extLst>
+  </p:cSld>
+  <p:clrMapOvr>
+    <a:masterClrMapping/>
+  </p:clrMapOvr>
+  <mc:AlternateContent xmlns:mc="http://schemas.openxmlformats.org/markup-compatibility/2006">
+    <mc:Choice xmlns:p14="http://schemas.microsoft.com/office/powerpoint/2010/main" Requires="p14">
+      <p:transition spd="slow" p14:dur="2000" advTm="3000"/>
+    </mc:Choice>
+    <mc:Fallback>
+      <p:transition xmlns:p14="http://schemas.microsoft.com/office/powerpoint/2010/main" spd="slow" advTm="3000"/>
+    </mc:Fallback>
+  </mc:AlternateContent>
+</p:sld>
+</file>
+
+<file path=ppt/slides/slide22.xml><?xml version="1.0" encoding="utf-8"?>
 <p:sld xmlns:a="http://schemas.openxmlformats.org/drawingml/2006/main" xmlns:r="http://schemas.openxmlformats.org/officeDocument/2006/relationships" xmlns:p="http://schemas.openxmlformats.org/presentationml/2006/main">
   <p:cSld>
     <p:spTree>
@@ -5526,7 +6152,7 @@
 </p:sld>
 </file>
 
-<file path=ppt/slides/slide18.xml><?xml version="1.0" encoding="utf-8"?>
+<file path=ppt/slides/slide23.xml><?xml version="1.0" encoding="utf-8"?>
 <p:sld xmlns:a="http://schemas.openxmlformats.org/drawingml/2006/main" xmlns:r="http://schemas.openxmlformats.org/officeDocument/2006/relationships" xmlns:p="http://schemas.openxmlformats.org/presentationml/2006/main">
   <p:cSld>
     <p:spTree>
@@ -5678,7 +6304,7 @@
 </p:sld>
 </file>
 
-<file path=ppt/slides/slide19.xml><?xml version="1.0" encoding="utf-8"?>
+<file path=ppt/slides/slide24.xml><?xml version="1.0" encoding="utf-8"?>
 <p:sld xmlns:a="http://schemas.openxmlformats.org/drawingml/2006/main" xmlns:r="http://schemas.openxmlformats.org/officeDocument/2006/relationships" xmlns:p="http://schemas.openxmlformats.org/presentationml/2006/main">
   <p:cSld>
     <p:spTree>
@@ -5809,7 +6435,509 @@
 </p:sld>
 </file>
 
-<file path=ppt/slides/slide2.xml><?xml version="1.0" encoding="utf-8"?>
+<file path=ppt/slides/slide25.xml><?xml version="1.0" encoding="utf-8"?>
+<p:sld xmlns:a="http://schemas.openxmlformats.org/drawingml/2006/main" xmlns:r="http://schemas.openxmlformats.org/officeDocument/2006/relationships" xmlns:p="http://schemas.openxmlformats.org/presentationml/2006/main">
+  <p:cSld>
+    <p:spTree>
+      <p:nvGrpSpPr>
+        <p:cNvPr id="1" name=""/>
+        <p:cNvGrpSpPr/>
+        <p:nvPr/>
+      </p:nvGrpSpPr>
+      <p:grpSpPr>
+        <a:xfrm>
+          <a:off x="0" y="0"/>
+          <a:ext cx="0" cy="0"/>
+          <a:chOff x="0" y="0"/>
+          <a:chExt cx="0" cy="0"/>
+        </a:xfrm>
+      </p:grpSpPr>
+      <p:sp>
+        <p:nvSpPr>
+          <p:cNvPr id="2" name="Title 1"/>
+          <p:cNvSpPr>
+            <a:spLocks noGrp="1"/>
+          </p:cNvSpPr>
+          <p:nvPr>
+            <p:ph type="title"/>
+          </p:nvPr>
+        </p:nvSpPr>
+        <p:spPr/>
+        <p:txBody>
+          <a:bodyPr/>
+          <a:lstStyle/>
+          <a:p>
+            <a:r>
+              <a:rPr lang="en-US" dirty="0" smtClean="0"/>
+              <a:t>Gold Sponsor</a:t>
+            </a:r>
+            <a:endParaRPr lang="en-US" dirty="0"/>
+          </a:p>
+        </p:txBody>
+      </p:sp>
+      <p:sp>
+        <p:nvSpPr>
+          <p:cNvPr id="3" name="Text Placeholder 2"/>
+          <p:cNvSpPr>
+            <a:spLocks noGrp="1"/>
+          </p:cNvSpPr>
+          <p:nvPr>
+            <p:ph type="body" sz="quarter" idx="13"/>
+          </p:nvPr>
+        </p:nvSpPr>
+        <p:spPr/>
+        <p:txBody>
+          <a:bodyPr/>
+          <a:lstStyle/>
+          <a:p>
+            <a:r>
+              <a:rPr lang="en-US" dirty="0" smtClean="0"/>
+              <a:t>@</a:t>
+            </a:r>
+            <a:r>
+              <a:rPr lang="en-US" dirty="0" err="1" smtClean="0"/>
+              <a:t>gitmachines</a:t>
+            </a:r>
+            <a:endParaRPr lang="en-US" dirty="0"/>
+          </a:p>
+        </p:txBody>
+      </p:sp>
+      <p:pic>
+        <p:nvPicPr>
+          <p:cNvPr id="8" name="Picture 2" descr="Inline image 1"/>
+          <p:cNvPicPr>
+            <a:picLocks noGrp="1" noChangeAspect="1" noChangeArrowheads="1"/>
+          </p:cNvPicPr>
+          <p:nvPr>
+            <p:ph type="pic" sz="quarter" idx="14"/>
+          </p:nvPr>
+        </p:nvPicPr>
+        <p:blipFill>
+          <a:blip r:embed="rId2">
+            <a:extLst>
+              <a:ext uri="{28A0092B-C50C-407E-A947-70E740481C1C}">
+                <a14:useLocalDpi xmlns:a14="http://schemas.microsoft.com/office/drawing/2010/main" val="0"/>
+              </a:ext>
+            </a:extLst>
+          </a:blip>
+          <a:srcRect t="-52871" b="-52871"/>
+          <a:stretch>
+            <a:fillRect/>
+          </a:stretch>
+        </p:blipFill>
+        <p:spPr bwMode="auto">
+          <a:prstGeom prst="rect">
+            <a:avLst/>
+          </a:prstGeom>
+          <a:noFill/>
+          <a:ln>
+            <a:noFill/>
+          </a:ln>
+          <a:extLst>
+            <a:ext uri="{909E8E84-426E-40dd-AFC4-6F175D3DCCD1}">
+              <a14:hiddenFill xmlns:a14="http://schemas.microsoft.com/office/drawing/2010/main">
+                <a:solidFill>
+                  <a:srgbClr val="FFFFFF"/>
+                </a:solidFill>
+              </a14:hiddenFill>
+            </a:ext>
+            <a:ext uri="{91240B29-F687-4f45-9708-019B960494DF}">
+              <a14:hiddenLine xmlns:a14="http://schemas.microsoft.com/office/drawing/2010/main" w="9525">
+                <a:solidFill>
+                  <a:srgbClr val="000000"/>
+                </a:solidFill>
+                <a:miter lim="800000"/>
+                <a:headEnd/>
+                <a:tailEnd/>
+              </a14:hiddenLine>
+            </a:ext>
+          </a:extLst>
+        </p:spPr>
+      </p:pic>
+    </p:spTree>
+    <p:extLst>
+      <p:ext uri="{BB962C8B-B14F-4D97-AF65-F5344CB8AC3E}">
+        <p14:creationId xmlns:p14="http://schemas.microsoft.com/office/powerpoint/2010/main" val="1143801372"/>
+      </p:ext>
+    </p:extLst>
+  </p:cSld>
+  <p:clrMapOvr>
+    <a:masterClrMapping/>
+  </p:clrMapOvr>
+  <p:transition xmlns:p14="http://schemas.microsoft.com/office/powerpoint/2010/main" spd="slow" advTm="3000">
+    <p:push dir="u"/>
+  </p:transition>
+  <p:timing>
+    <p:tnLst>
+      <p:par>
+        <p:cTn xmlns:p14="http://schemas.microsoft.com/office/powerpoint/2010/main" id="1" dur="indefinite" restart="never" nodeType="tmRoot"/>
+      </p:par>
+    </p:tnLst>
+  </p:timing>
+</p:sld>
+</file>
+
+<file path=ppt/slides/slide26.xml><?xml version="1.0" encoding="utf-8"?>
+<p:sld xmlns:a="http://schemas.openxmlformats.org/drawingml/2006/main" xmlns:r="http://schemas.openxmlformats.org/officeDocument/2006/relationships" xmlns:p="http://schemas.openxmlformats.org/presentationml/2006/main">
+  <p:cSld>
+    <p:spTree>
+      <p:nvGrpSpPr>
+        <p:cNvPr id="1" name=""/>
+        <p:cNvGrpSpPr/>
+        <p:nvPr/>
+      </p:nvGrpSpPr>
+      <p:grpSpPr>
+        <a:xfrm>
+          <a:off x="0" y="0"/>
+          <a:ext cx="0" cy="0"/>
+          <a:chOff x="0" y="0"/>
+          <a:chExt cx="0" cy="0"/>
+        </a:xfrm>
+      </p:grpSpPr>
+      <p:sp>
+        <p:nvSpPr>
+          <p:cNvPr id="5" name="Title 4"/>
+          <p:cNvSpPr>
+            <a:spLocks noGrp="1"/>
+          </p:cNvSpPr>
+          <p:nvPr>
+            <p:ph type="ctrTitle"/>
+          </p:nvPr>
+        </p:nvSpPr>
+        <p:spPr/>
+        <p:txBody>
+          <a:bodyPr/>
+          <a:lstStyle/>
+          <a:p>
+            <a:r>
+              <a:rPr lang="en-US" dirty="0" err="1" smtClean="0"/>
+              <a:t>DevOpsDays</a:t>
+            </a:r>
+            <a:r>
+              <a:rPr lang="en-US" dirty="0" smtClean="0"/>
+              <a:t> DC</a:t>
+            </a:r>
+            <a:endParaRPr lang="en-US" dirty="0"/>
+          </a:p>
+        </p:txBody>
+      </p:sp>
+      <p:sp>
+        <p:nvSpPr>
+          <p:cNvPr id="6" name="Subtitle 5"/>
+          <p:cNvSpPr>
+            <a:spLocks noGrp="1"/>
+          </p:cNvSpPr>
+          <p:nvPr>
+            <p:ph type="subTitle" idx="1"/>
+          </p:nvPr>
+        </p:nvSpPr>
+        <p:spPr/>
+        <p:txBody>
+          <a:bodyPr/>
+          <a:lstStyle/>
+          <a:p>
+            <a:r>
+              <a:rPr lang="en-US" dirty="0"/>
+              <a:t>A house divided against itself cannot stand.</a:t>
+            </a:r>
+          </a:p>
+        </p:txBody>
+      </p:sp>
+    </p:spTree>
+    <p:extLst>
+      <p:ext uri="{BB962C8B-B14F-4D97-AF65-F5344CB8AC3E}">
+        <p14:creationId xmlns:p14="http://schemas.microsoft.com/office/powerpoint/2010/main" val="1940092194"/>
+      </p:ext>
+    </p:extLst>
+  </p:cSld>
+  <p:clrMapOvr>
+    <a:masterClrMapping/>
+  </p:clrMapOvr>
+  <mc:AlternateContent xmlns:mc="http://schemas.openxmlformats.org/markup-compatibility/2006">
+    <mc:Choice xmlns:p14="http://schemas.microsoft.com/office/powerpoint/2010/main" Requires="p14">
+      <p:transition spd="slow" p14:dur="2000" advTm="3000"/>
+    </mc:Choice>
+    <mc:Fallback>
+      <p:transition xmlns:p14="http://schemas.microsoft.com/office/powerpoint/2010/main" spd="slow" advTm="3000"/>
+    </mc:Fallback>
+  </mc:AlternateContent>
+</p:sld>
+</file>
+
+<file path=ppt/slides/slide27.xml><?xml version="1.0" encoding="utf-8"?>
+<p:sld xmlns:a="http://schemas.openxmlformats.org/drawingml/2006/main" xmlns:r="http://schemas.openxmlformats.org/officeDocument/2006/relationships" xmlns:p="http://schemas.openxmlformats.org/presentationml/2006/main">
+  <p:cSld>
+    <p:spTree>
+      <p:nvGrpSpPr>
+        <p:cNvPr id="1" name=""/>
+        <p:cNvGrpSpPr/>
+        <p:nvPr/>
+      </p:nvGrpSpPr>
+      <p:grpSpPr>
+        <a:xfrm>
+          <a:off x="0" y="0"/>
+          <a:ext cx="0" cy="0"/>
+          <a:chOff x="0" y="0"/>
+          <a:chExt cx="0" cy="0"/>
+        </a:xfrm>
+      </p:grpSpPr>
+      <p:sp>
+        <p:nvSpPr>
+          <p:cNvPr id="2" name="Title 1"/>
+          <p:cNvSpPr>
+            <a:spLocks noGrp="1"/>
+          </p:cNvSpPr>
+          <p:nvPr>
+            <p:ph type="title"/>
+          </p:nvPr>
+        </p:nvSpPr>
+        <p:spPr/>
+        <p:txBody>
+          <a:bodyPr/>
+          <a:lstStyle/>
+          <a:p>
+            <a:r>
+              <a:rPr lang="en-US" dirty="0" smtClean="0"/>
+              <a:t>Gold Sponsor</a:t>
+            </a:r>
+            <a:endParaRPr lang="en-US" dirty="0"/>
+          </a:p>
+        </p:txBody>
+      </p:sp>
+      <p:sp>
+        <p:nvSpPr>
+          <p:cNvPr id="3" name="Text Placeholder 2"/>
+          <p:cNvSpPr>
+            <a:spLocks noGrp="1"/>
+          </p:cNvSpPr>
+          <p:nvPr>
+            <p:ph type="body" sz="quarter" idx="13"/>
+          </p:nvPr>
+        </p:nvSpPr>
+        <p:spPr/>
+        <p:txBody>
+          <a:bodyPr/>
+          <a:lstStyle/>
+          <a:p>
+            <a:r>
+              <a:rPr lang="en-US" dirty="0" smtClean="0"/>
+              <a:t>@</a:t>
+            </a:r>
+            <a:r>
+              <a:rPr lang="en-US" dirty="0" err="1" smtClean="0"/>
+              <a:t>pagerduty</a:t>
+            </a:r>
+            <a:endParaRPr lang="en-US" dirty="0"/>
+          </a:p>
+        </p:txBody>
+      </p:sp>
+      <p:pic>
+        <p:nvPicPr>
+          <p:cNvPr id="6" name="Picture 3"/>
+          <p:cNvPicPr>
+            <a:picLocks noGrp="1" noChangeAspect="1" noChangeArrowheads="1"/>
+          </p:cNvPicPr>
+          <p:nvPr>
+            <p:ph type="pic" sz="quarter" idx="14"/>
+          </p:nvPr>
+        </p:nvPicPr>
+        <p:blipFill rotWithShape="1">
+          <a:blip r:embed="rId2">
+            <a:extLst>
+              <a:ext uri="{28A0092B-C50C-407E-A947-70E740481C1C}">
+                <a14:useLocalDpi xmlns:a14="http://schemas.microsoft.com/office/drawing/2010/main" val="0"/>
+              </a:ext>
+            </a:extLst>
+          </a:blip>
+          <a:srcRect t="-6319" b="12938"/>
+          <a:stretch/>
+        </p:blipFill>
+        <p:spPr bwMode="auto">
+          <a:xfrm>
+            <a:off x="457200" y="1168400"/>
+            <a:ext cx="8229600" cy="2800628"/>
+          </a:xfrm>
+          <a:prstGeom prst="rect">
+            <a:avLst/>
+          </a:prstGeom>
+          <a:noFill/>
+          <a:ln>
+            <a:noFill/>
+          </a:ln>
+          <a:extLst>
+            <a:ext uri="{909E8E84-426E-40dd-AFC4-6F175D3DCCD1}">
+              <a14:hiddenFill xmlns:a14="http://schemas.microsoft.com/office/drawing/2010/main">
+                <a:solidFill>
+                  <a:schemeClr val="accent1"/>
+                </a:solidFill>
+              </a14:hiddenFill>
+            </a:ext>
+            <a:ext uri="{91240B29-F687-4f45-9708-019B960494DF}">
+              <a14:hiddenLine xmlns:a14="http://schemas.microsoft.com/office/drawing/2010/main" w="9525">
+                <a:solidFill>
+                  <a:schemeClr val="tx1"/>
+                </a:solidFill>
+                <a:miter lim="800000"/>
+                <a:headEnd/>
+                <a:tailEnd/>
+              </a14:hiddenLine>
+            </a:ext>
+          </a:extLst>
+        </p:spPr>
+      </p:pic>
+    </p:spTree>
+    <p:extLst>
+      <p:ext uri="{BB962C8B-B14F-4D97-AF65-F5344CB8AC3E}">
+        <p14:creationId xmlns:p14="http://schemas.microsoft.com/office/powerpoint/2010/main" val="2807649520"/>
+      </p:ext>
+    </p:extLst>
+  </p:cSld>
+  <p:clrMapOvr>
+    <a:masterClrMapping/>
+  </p:clrMapOvr>
+  <p:transition xmlns:p14="http://schemas.microsoft.com/office/powerpoint/2010/main" spd="slow" advTm="3000">
+    <p:push dir="u"/>
+  </p:transition>
+  <p:timing>
+    <p:tnLst>
+      <p:par>
+        <p:cTn xmlns:p14="http://schemas.microsoft.com/office/powerpoint/2010/main" id="1" dur="indefinite" restart="never" nodeType="tmRoot"/>
+      </p:par>
+    </p:tnLst>
+  </p:timing>
+</p:sld>
+</file>
+
+<file path=ppt/slides/slide28.xml><?xml version="1.0" encoding="utf-8"?>
+<p:sld xmlns:a="http://schemas.openxmlformats.org/drawingml/2006/main" xmlns:r="http://schemas.openxmlformats.org/officeDocument/2006/relationships" xmlns:p="http://schemas.openxmlformats.org/presentationml/2006/main">
+  <p:cSld>
+    <p:spTree>
+      <p:nvGrpSpPr>
+        <p:cNvPr id="1" name=""/>
+        <p:cNvGrpSpPr/>
+        <p:nvPr/>
+      </p:nvGrpSpPr>
+      <p:grpSpPr>
+        <a:xfrm>
+          <a:off x="0" y="0"/>
+          <a:ext cx="0" cy="0"/>
+          <a:chOff x="0" y="0"/>
+          <a:chExt cx="0" cy="0"/>
+        </a:xfrm>
+      </p:grpSpPr>
+      <p:sp>
+        <p:nvSpPr>
+          <p:cNvPr id="2" name="Title 1"/>
+          <p:cNvSpPr>
+            <a:spLocks noGrp="1"/>
+          </p:cNvSpPr>
+          <p:nvPr>
+            <p:ph type="title"/>
+          </p:nvPr>
+        </p:nvSpPr>
+        <p:spPr/>
+        <p:txBody>
+          <a:bodyPr/>
+          <a:lstStyle/>
+          <a:p>
+            <a:r>
+              <a:rPr lang="en-US" dirty="0" smtClean="0"/>
+              <a:t>Silver Sponsor</a:t>
+            </a:r>
+            <a:endParaRPr lang="en-US" dirty="0"/>
+          </a:p>
+        </p:txBody>
+      </p:sp>
+      <p:sp>
+        <p:nvSpPr>
+          <p:cNvPr id="3" name="Text Placeholder 2"/>
+          <p:cNvSpPr>
+            <a:spLocks noGrp="1"/>
+          </p:cNvSpPr>
+          <p:nvPr>
+            <p:ph type="body" sz="quarter" idx="13"/>
+          </p:nvPr>
+        </p:nvSpPr>
+        <p:spPr/>
+        <p:txBody>
+          <a:bodyPr/>
+          <a:lstStyle/>
+          <a:p>
+            <a:r>
+              <a:rPr lang="en-US" dirty="0" smtClean="0"/>
+              <a:t>@</a:t>
+            </a:r>
+            <a:r>
+              <a:rPr lang="en-US" dirty="0" err="1" smtClean="0"/>
+              <a:t>puppetlabs</a:t>
+            </a:r>
+            <a:endParaRPr lang="en-US" dirty="0"/>
+          </a:p>
+        </p:txBody>
+      </p:sp>
+      <p:pic>
+        <p:nvPicPr>
+          <p:cNvPr id="7" name="Picture 2"/>
+          <p:cNvPicPr>
+            <a:picLocks noGrp="1" noChangeAspect="1" noChangeArrowheads="1"/>
+          </p:cNvPicPr>
+          <p:nvPr>
+            <p:ph type="pic" sz="quarter" idx="14"/>
+          </p:nvPr>
+        </p:nvPicPr>
+        <p:blipFill>
+          <a:blip r:embed="rId2">
+            <a:extLst>
+              <a:ext uri="{28A0092B-C50C-407E-A947-70E740481C1C}">
+                <a14:useLocalDpi xmlns:a14="http://schemas.microsoft.com/office/drawing/2010/main" val="0"/>
+              </a:ext>
+            </a:extLst>
+          </a:blip>
+          <a:srcRect t="-17877" b="-17877"/>
+          <a:stretch>
+            <a:fillRect/>
+          </a:stretch>
+        </p:blipFill>
+        <p:spPr bwMode="auto">
+          <a:prstGeom prst="rect">
+            <a:avLst/>
+          </a:prstGeom>
+          <a:noFill/>
+          <a:extLst>
+            <a:ext uri="{909E8E84-426E-40dd-AFC4-6F175D3DCCD1}">
+              <a14:hiddenFill xmlns:a14="http://schemas.microsoft.com/office/drawing/2010/main">
+                <a:solidFill>
+                  <a:srgbClr val="FFFFFF"/>
+                </a:solidFill>
+              </a14:hiddenFill>
+            </a:ext>
+          </a:extLst>
+        </p:spPr>
+      </p:pic>
+    </p:spTree>
+    <p:extLst>
+      <p:ext uri="{BB962C8B-B14F-4D97-AF65-F5344CB8AC3E}">
+        <p14:creationId xmlns:p14="http://schemas.microsoft.com/office/powerpoint/2010/main" val="1196078086"/>
+      </p:ext>
+    </p:extLst>
+  </p:cSld>
+  <p:clrMapOvr>
+    <a:masterClrMapping/>
+  </p:clrMapOvr>
+  <p:transition xmlns:p14="http://schemas.microsoft.com/office/powerpoint/2010/main" spd="slow" advTm="2000">
+    <p:push dir="u"/>
+  </p:transition>
+  <p:timing>
+    <p:tnLst>
+      <p:par>
+        <p:cTn xmlns:p14="http://schemas.microsoft.com/office/powerpoint/2010/main" id="1" dur="indefinite" restart="never" nodeType="tmRoot"/>
+      </p:par>
+    </p:tnLst>
+  </p:timing>
+</p:sld>
+</file>
+
+<file path=ppt/slides/slide3.xml><?xml version="1.0" encoding="utf-8"?>
 <p:sld xmlns:a="http://schemas.openxmlformats.org/drawingml/2006/main" xmlns:r="http://schemas.openxmlformats.org/officeDocument/2006/relationships" xmlns:p="http://schemas.openxmlformats.org/presentationml/2006/main">
   <p:cSld>
     <p:spTree>
@@ -5961,422 +7089,7 @@
 </p:sld>
 </file>
 
-<file path=ppt/slides/slide20.xml><?xml version="1.0" encoding="utf-8"?>
-<p:sld xmlns:a="http://schemas.openxmlformats.org/drawingml/2006/main" xmlns:r="http://schemas.openxmlformats.org/officeDocument/2006/relationships" xmlns:p="http://schemas.openxmlformats.org/presentationml/2006/main">
-  <p:cSld>
-    <p:spTree>
-      <p:nvGrpSpPr>
-        <p:cNvPr id="1" name=""/>
-        <p:cNvGrpSpPr/>
-        <p:nvPr/>
-      </p:nvGrpSpPr>
-      <p:grpSpPr>
-        <a:xfrm>
-          <a:off x="0" y="0"/>
-          <a:ext cx="0" cy="0"/>
-          <a:chOff x="0" y="0"/>
-          <a:chExt cx="0" cy="0"/>
-        </a:xfrm>
-      </p:grpSpPr>
-      <p:sp>
-        <p:nvSpPr>
-          <p:cNvPr id="2" name="Title 1"/>
-          <p:cNvSpPr>
-            <a:spLocks noGrp="1"/>
-          </p:cNvSpPr>
-          <p:nvPr>
-            <p:ph type="title"/>
-          </p:nvPr>
-        </p:nvSpPr>
-        <p:spPr/>
-        <p:txBody>
-          <a:bodyPr/>
-          <a:lstStyle/>
-          <a:p>
-            <a:r>
-              <a:rPr lang="en-US" dirty="0" smtClean="0"/>
-              <a:t>Gold Sponsor</a:t>
-            </a:r>
-            <a:endParaRPr lang="en-US" dirty="0"/>
-          </a:p>
-        </p:txBody>
-      </p:sp>
-      <p:sp>
-        <p:nvSpPr>
-          <p:cNvPr id="3" name="Text Placeholder 2"/>
-          <p:cNvSpPr>
-            <a:spLocks noGrp="1"/>
-          </p:cNvSpPr>
-          <p:nvPr>
-            <p:ph type="body" sz="quarter" idx="13"/>
-          </p:nvPr>
-        </p:nvSpPr>
-        <p:spPr/>
-        <p:txBody>
-          <a:bodyPr/>
-          <a:lstStyle/>
-          <a:p>
-            <a:r>
-              <a:rPr lang="en-US" dirty="0" smtClean="0"/>
-              <a:t>@</a:t>
-            </a:r>
-            <a:r>
-              <a:rPr lang="en-US" dirty="0" err="1" smtClean="0"/>
-              <a:t>gitmachines</a:t>
-            </a:r>
-            <a:endParaRPr lang="en-US" dirty="0"/>
-          </a:p>
-        </p:txBody>
-      </p:sp>
-      <p:pic>
-        <p:nvPicPr>
-          <p:cNvPr id="8" name="Picture 2" descr="Inline image 1"/>
-          <p:cNvPicPr>
-            <a:picLocks noGrp="1" noChangeAspect="1" noChangeArrowheads="1"/>
-          </p:cNvPicPr>
-          <p:nvPr>
-            <p:ph type="pic" sz="quarter" idx="14"/>
-          </p:nvPr>
-        </p:nvPicPr>
-        <p:blipFill>
-          <a:blip r:embed="rId2">
-            <a:extLst>
-              <a:ext uri="{28A0092B-C50C-407E-A947-70E740481C1C}">
-                <a14:useLocalDpi xmlns:a14="http://schemas.microsoft.com/office/drawing/2010/main" val="0"/>
-              </a:ext>
-            </a:extLst>
-          </a:blip>
-          <a:srcRect t="-52871" b="-52871"/>
-          <a:stretch>
-            <a:fillRect/>
-          </a:stretch>
-        </p:blipFill>
-        <p:spPr bwMode="auto">
-          <a:prstGeom prst="rect">
-            <a:avLst/>
-          </a:prstGeom>
-          <a:noFill/>
-          <a:ln>
-            <a:noFill/>
-          </a:ln>
-          <a:extLst>
-            <a:ext uri="{909E8E84-426E-40dd-AFC4-6F175D3DCCD1}">
-              <a14:hiddenFill xmlns:a14="http://schemas.microsoft.com/office/drawing/2010/main">
-                <a:solidFill>
-                  <a:srgbClr val="FFFFFF"/>
-                </a:solidFill>
-              </a14:hiddenFill>
-            </a:ext>
-            <a:ext uri="{91240B29-F687-4f45-9708-019B960494DF}">
-              <a14:hiddenLine xmlns:a14="http://schemas.microsoft.com/office/drawing/2010/main" w="9525">
-                <a:solidFill>
-                  <a:srgbClr val="000000"/>
-                </a:solidFill>
-                <a:miter lim="800000"/>
-                <a:headEnd/>
-                <a:tailEnd/>
-              </a14:hiddenLine>
-            </a:ext>
-          </a:extLst>
-        </p:spPr>
-      </p:pic>
-    </p:spTree>
-    <p:extLst>
-      <p:ext uri="{BB962C8B-B14F-4D97-AF65-F5344CB8AC3E}">
-        <p14:creationId xmlns:p14="http://schemas.microsoft.com/office/powerpoint/2010/main" val="1143801372"/>
-      </p:ext>
-    </p:extLst>
-  </p:cSld>
-  <p:clrMapOvr>
-    <a:masterClrMapping/>
-  </p:clrMapOvr>
-  <p:transition xmlns:p14="http://schemas.microsoft.com/office/powerpoint/2010/main" spd="slow" advTm="3000">
-    <p:push dir="u"/>
-  </p:transition>
-  <p:timing>
-    <p:tnLst>
-      <p:par>
-        <p:cTn xmlns:p14="http://schemas.microsoft.com/office/powerpoint/2010/main" id="1" dur="indefinite" restart="never" nodeType="tmRoot"/>
-      </p:par>
-    </p:tnLst>
-  </p:timing>
-</p:sld>
-</file>
-
-<file path=ppt/slides/slide21.xml><?xml version="1.0" encoding="utf-8"?>
-<p:sld xmlns:a="http://schemas.openxmlformats.org/drawingml/2006/main" xmlns:r="http://schemas.openxmlformats.org/officeDocument/2006/relationships" xmlns:p="http://schemas.openxmlformats.org/presentationml/2006/main">
-  <p:cSld>
-    <p:spTree>
-      <p:nvGrpSpPr>
-        <p:cNvPr id="1" name=""/>
-        <p:cNvGrpSpPr/>
-        <p:nvPr/>
-      </p:nvGrpSpPr>
-      <p:grpSpPr>
-        <a:xfrm>
-          <a:off x="0" y="0"/>
-          <a:ext cx="0" cy="0"/>
-          <a:chOff x="0" y="0"/>
-          <a:chExt cx="0" cy="0"/>
-        </a:xfrm>
-      </p:grpSpPr>
-      <p:sp>
-        <p:nvSpPr>
-          <p:cNvPr id="2" name="Title 1"/>
-          <p:cNvSpPr>
-            <a:spLocks noGrp="1"/>
-          </p:cNvSpPr>
-          <p:nvPr>
-            <p:ph type="title"/>
-          </p:nvPr>
-        </p:nvSpPr>
-        <p:spPr/>
-        <p:txBody>
-          <a:bodyPr/>
-          <a:lstStyle/>
-          <a:p>
-            <a:r>
-              <a:rPr lang="en-US" dirty="0" smtClean="0"/>
-              <a:t>Gold Sponsor</a:t>
-            </a:r>
-            <a:endParaRPr lang="en-US" dirty="0"/>
-          </a:p>
-        </p:txBody>
-      </p:sp>
-      <p:sp>
-        <p:nvSpPr>
-          <p:cNvPr id="3" name="Text Placeholder 2"/>
-          <p:cNvSpPr>
-            <a:spLocks noGrp="1"/>
-          </p:cNvSpPr>
-          <p:nvPr>
-            <p:ph type="body" sz="quarter" idx="13"/>
-          </p:nvPr>
-        </p:nvSpPr>
-        <p:spPr/>
-        <p:txBody>
-          <a:bodyPr/>
-          <a:lstStyle/>
-          <a:p>
-            <a:r>
-              <a:rPr lang="en-US" dirty="0" smtClean="0"/>
-              <a:t>@</a:t>
-            </a:r>
-            <a:r>
-              <a:rPr lang="en-US" dirty="0" err="1" smtClean="0"/>
-              <a:t>pagerduty</a:t>
-            </a:r>
-            <a:endParaRPr lang="en-US" dirty="0"/>
-          </a:p>
-        </p:txBody>
-      </p:sp>
-      <p:pic>
-        <p:nvPicPr>
-          <p:cNvPr id="6" name="Picture 3"/>
-          <p:cNvPicPr>
-            <a:picLocks noGrp="1" noChangeAspect="1" noChangeArrowheads="1"/>
-          </p:cNvPicPr>
-          <p:nvPr>
-            <p:ph type="pic" sz="quarter" idx="14"/>
-          </p:nvPr>
-        </p:nvPicPr>
-        <p:blipFill rotWithShape="1">
-          <a:blip r:embed="rId2">
-            <a:extLst>
-              <a:ext uri="{28A0092B-C50C-407E-A947-70E740481C1C}">
-                <a14:useLocalDpi xmlns:a14="http://schemas.microsoft.com/office/drawing/2010/main" val="0"/>
-              </a:ext>
-            </a:extLst>
-          </a:blip>
-          <a:srcRect t="-6319" b="12938"/>
-          <a:stretch/>
-        </p:blipFill>
-        <p:spPr bwMode="auto">
-          <a:xfrm>
-            <a:off x="457200" y="1168400"/>
-            <a:ext cx="8229600" cy="2800628"/>
-          </a:xfrm>
-          <a:prstGeom prst="rect">
-            <a:avLst/>
-          </a:prstGeom>
-          <a:noFill/>
-          <a:ln>
-            <a:noFill/>
-          </a:ln>
-          <a:extLst>
-            <a:ext uri="{909E8E84-426E-40dd-AFC4-6F175D3DCCD1}">
-              <a14:hiddenFill xmlns:a14="http://schemas.microsoft.com/office/drawing/2010/main">
-                <a:solidFill>
-                  <a:schemeClr val="accent1"/>
-                </a:solidFill>
-              </a14:hiddenFill>
-            </a:ext>
-            <a:ext uri="{91240B29-F687-4f45-9708-019B960494DF}">
-              <a14:hiddenLine xmlns:a14="http://schemas.microsoft.com/office/drawing/2010/main" w="9525">
-                <a:solidFill>
-                  <a:schemeClr val="tx1"/>
-                </a:solidFill>
-                <a:miter lim="800000"/>
-                <a:headEnd/>
-                <a:tailEnd/>
-              </a14:hiddenLine>
-            </a:ext>
-          </a:extLst>
-        </p:spPr>
-      </p:pic>
-    </p:spTree>
-    <p:extLst>
-      <p:ext uri="{BB962C8B-B14F-4D97-AF65-F5344CB8AC3E}">
-        <p14:creationId xmlns:p14="http://schemas.microsoft.com/office/powerpoint/2010/main" val="2807649520"/>
-      </p:ext>
-    </p:extLst>
-  </p:cSld>
-  <p:clrMapOvr>
-    <a:masterClrMapping/>
-  </p:clrMapOvr>
-  <p:transition xmlns:p14="http://schemas.microsoft.com/office/powerpoint/2010/main" spd="slow" advTm="3000">
-    <p:push dir="u"/>
-  </p:transition>
-  <p:timing>
-    <p:tnLst>
-      <p:par>
-        <p:cTn xmlns:p14="http://schemas.microsoft.com/office/powerpoint/2010/main" id="1" dur="indefinite" restart="never" nodeType="tmRoot"/>
-      </p:par>
-    </p:tnLst>
-  </p:timing>
-</p:sld>
-</file>
-
-<file path=ppt/slides/slide22.xml><?xml version="1.0" encoding="utf-8"?>
-<p:sld xmlns:a="http://schemas.openxmlformats.org/drawingml/2006/main" xmlns:r="http://schemas.openxmlformats.org/officeDocument/2006/relationships" xmlns:p="http://schemas.openxmlformats.org/presentationml/2006/main">
-  <p:cSld>
-    <p:spTree>
-      <p:nvGrpSpPr>
-        <p:cNvPr id="1" name=""/>
-        <p:cNvGrpSpPr/>
-        <p:nvPr/>
-      </p:nvGrpSpPr>
-      <p:grpSpPr>
-        <a:xfrm>
-          <a:off x="0" y="0"/>
-          <a:ext cx="0" cy="0"/>
-          <a:chOff x="0" y="0"/>
-          <a:chExt cx="0" cy="0"/>
-        </a:xfrm>
-      </p:grpSpPr>
-      <p:sp>
-        <p:nvSpPr>
-          <p:cNvPr id="2" name="Title 1"/>
-          <p:cNvSpPr>
-            <a:spLocks noGrp="1"/>
-          </p:cNvSpPr>
-          <p:nvPr>
-            <p:ph type="title"/>
-          </p:nvPr>
-        </p:nvSpPr>
-        <p:spPr/>
-        <p:txBody>
-          <a:bodyPr/>
-          <a:lstStyle/>
-          <a:p>
-            <a:r>
-              <a:rPr lang="en-US" dirty="0" smtClean="0"/>
-              <a:t>Silver Sponsor</a:t>
-            </a:r>
-            <a:endParaRPr lang="en-US" dirty="0"/>
-          </a:p>
-        </p:txBody>
-      </p:sp>
-      <p:sp>
-        <p:nvSpPr>
-          <p:cNvPr id="3" name="Text Placeholder 2"/>
-          <p:cNvSpPr>
-            <a:spLocks noGrp="1"/>
-          </p:cNvSpPr>
-          <p:nvPr>
-            <p:ph type="body" sz="quarter" idx="13"/>
-          </p:nvPr>
-        </p:nvSpPr>
-        <p:spPr/>
-        <p:txBody>
-          <a:bodyPr/>
-          <a:lstStyle/>
-          <a:p>
-            <a:r>
-              <a:rPr lang="en-US" dirty="0" smtClean="0"/>
-              <a:t>@</a:t>
-            </a:r>
-            <a:r>
-              <a:rPr lang="en-US" dirty="0" err="1" smtClean="0"/>
-              <a:t>puppetlabs</a:t>
-            </a:r>
-            <a:endParaRPr lang="en-US" dirty="0"/>
-          </a:p>
-        </p:txBody>
-      </p:sp>
-      <p:pic>
-        <p:nvPicPr>
-          <p:cNvPr id="7" name="Picture 2"/>
-          <p:cNvPicPr>
-            <a:picLocks noGrp="1" noChangeAspect="1" noChangeArrowheads="1"/>
-          </p:cNvPicPr>
-          <p:nvPr>
-            <p:ph type="pic" sz="quarter" idx="14"/>
-          </p:nvPr>
-        </p:nvPicPr>
-        <p:blipFill>
-          <a:blip r:embed="rId2">
-            <a:extLst>
-              <a:ext uri="{28A0092B-C50C-407E-A947-70E740481C1C}">
-                <a14:useLocalDpi xmlns:a14="http://schemas.microsoft.com/office/drawing/2010/main" val="0"/>
-              </a:ext>
-            </a:extLst>
-          </a:blip>
-          <a:srcRect t="-17877" b="-17877"/>
-          <a:stretch>
-            <a:fillRect/>
-          </a:stretch>
-        </p:blipFill>
-        <p:spPr bwMode="auto">
-          <a:prstGeom prst="rect">
-            <a:avLst/>
-          </a:prstGeom>
-          <a:noFill/>
-          <a:extLst>
-            <a:ext uri="{909E8E84-426E-40dd-AFC4-6F175D3DCCD1}">
-              <a14:hiddenFill xmlns:a14="http://schemas.microsoft.com/office/drawing/2010/main">
-                <a:solidFill>
-                  <a:srgbClr val="FFFFFF"/>
-                </a:solidFill>
-              </a14:hiddenFill>
-            </a:ext>
-          </a:extLst>
-        </p:spPr>
-      </p:pic>
-    </p:spTree>
-    <p:extLst>
-      <p:ext uri="{BB962C8B-B14F-4D97-AF65-F5344CB8AC3E}">
-        <p14:creationId xmlns:p14="http://schemas.microsoft.com/office/powerpoint/2010/main" val="1196078086"/>
-      </p:ext>
-    </p:extLst>
-  </p:cSld>
-  <p:clrMapOvr>
-    <a:masterClrMapping/>
-  </p:clrMapOvr>
-  <p:transition xmlns:p14="http://schemas.microsoft.com/office/powerpoint/2010/main" spd="slow" advTm="2000">
-    <p:push dir="u"/>
-  </p:transition>
-  <p:timing>
-    <p:tnLst>
-      <p:par>
-        <p:cTn xmlns:p14="http://schemas.microsoft.com/office/powerpoint/2010/main" id="1" dur="indefinite" restart="never" nodeType="tmRoot"/>
-      </p:par>
-    </p:tnLst>
-  </p:timing>
-</p:sld>
-</file>
-
-<file path=ppt/slides/slide3.xml><?xml version="1.0" encoding="utf-8"?>
+<file path=ppt/slides/slide4.xml><?xml version="1.0" encoding="utf-8"?>
 <p:sld xmlns:a="http://schemas.openxmlformats.org/drawingml/2006/main" xmlns:r="http://schemas.openxmlformats.org/officeDocument/2006/relationships" xmlns:p="http://schemas.openxmlformats.org/presentationml/2006/main">
   <p:cSld>
     <p:spTree>
@@ -6528,7 +7241,7 @@
 </p:sld>
 </file>
 
-<file path=ppt/slides/slide4.xml><?xml version="1.0" encoding="utf-8"?>
+<file path=ppt/slides/slide5.xml><?xml version="1.0" encoding="utf-8"?>
 <p:sld xmlns:a="http://schemas.openxmlformats.org/drawingml/2006/main" xmlns:r="http://schemas.openxmlformats.org/officeDocument/2006/relationships" xmlns:p="http://schemas.openxmlformats.org/presentationml/2006/main">
   <p:cSld>
     <p:spTree>
@@ -6659,7 +7372,94 @@
 </p:sld>
 </file>
 
-<file path=ppt/slides/slide5.xml><?xml version="1.0" encoding="utf-8"?>
+<file path=ppt/slides/slide6.xml><?xml version="1.0" encoding="utf-8"?>
+<p:sld xmlns:a="http://schemas.openxmlformats.org/drawingml/2006/main" xmlns:r="http://schemas.openxmlformats.org/officeDocument/2006/relationships" xmlns:p="http://schemas.openxmlformats.org/presentationml/2006/main">
+  <p:cSld>
+    <p:spTree>
+      <p:nvGrpSpPr>
+        <p:cNvPr id="1" name=""/>
+        <p:cNvGrpSpPr/>
+        <p:nvPr/>
+      </p:nvGrpSpPr>
+      <p:grpSpPr>
+        <a:xfrm>
+          <a:off x="0" y="0"/>
+          <a:ext cx="0" cy="0"/>
+          <a:chOff x="0" y="0"/>
+          <a:chExt cx="0" cy="0"/>
+        </a:xfrm>
+      </p:grpSpPr>
+      <p:sp>
+        <p:nvSpPr>
+          <p:cNvPr id="5" name="Title 4"/>
+          <p:cNvSpPr>
+            <a:spLocks noGrp="1"/>
+          </p:cNvSpPr>
+          <p:nvPr>
+            <p:ph type="ctrTitle"/>
+          </p:nvPr>
+        </p:nvSpPr>
+        <p:spPr/>
+        <p:txBody>
+          <a:bodyPr/>
+          <a:lstStyle/>
+          <a:p>
+            <a:r>
+              <a:rPr lang="en-US" dirty="0" err="1" smtClean="0"/>
+              <a:t>DevOpsDays</a:t>
+            </a:r>
+            <a:r>
+              <a:rPr lang="en-US" dirty="0" smtClean="0"/>
+              <a:t> DC</a:t>
+            </a:r>
+            <a:endParaRPr lang="en-US" dirty="0"/>
+          </a:p>
+        </p:txBody>
+      </p:sp>
+      <p:sp>
+        <p:nvSpPr>
+          <p:cNvPr id="6" name="Subtitle 5"/>
+          <p:cNvSpPr>
+            <a:spLocks noGrp="1"/>
+          </p:cNvSpPr>
+          <p:nvPr>
+            <p:ph type="subTitle" idx="1"/>
+          </p:nvPr>
+        </p:nvSpPr>
+        <p:spPr/>
+        <p:txBody>
+          <a:bodyPr/>
+          <a:lstStyle/>
+          <a:p>
+            <a:r>
+              <a:rPr lang="en-US" dirty="0"/>
+              <a:t>A house divided against itself cannot stand.</a:t>
+            </a:r>
+          </a:p>
+        </p:txBody>
+      </p:sp>
+    </p:spTree>
+    <p:extLst>
+      <p:ext uri="{BB962C8B-B14F-4D97-AF65-F5344CB8AC3E}">
+        <p14:creationId xmlns:p14="http://schemas.microsoft.com/office/powerpoint/2010/main" val="1940092194"/>
+      </p:ext>
+    </p:extLst>
+  </p:cSld>
+  <p:clrMapOvr>
+    <a:masterClrMapping/>
+  </p:clrMapOvr>
+  <mc:AlternateContent xmlns:mc="http://schemas.openxmlformats.org/markup-compatibility/2006">
+    <mc:Choice xmlns:p14="http://schemas.microsoft.com/office/powerpoint/2010/main" Requires="p14">
+      <p:transition spd="slow" p14:dur="2000" advTm="3000"/>
+    </mc:Choice>
+    <mc:Fallback>
+      <p:transition xmlns:p14="http://schemas.microsoft.com/office/powerpoint/2010/main" spd="slow" advTm="3000"/>
+    </mc:Fallback>
+  </mc:AlternateContent>
+</p:sld>
+</file>
+
+<file path=ppt/slides/slide7.xml><?xml version="1.0" encoding="utf-8"?>
 <p:sld xmlns:a="http://schemas.openxmlformats.org/drawingml/2006/main" xmlns:r="http://schemas.openxmlformats.org/officeDocument/2006/relationships" xmlns:p="http://schemas.openxmlformats.org/presentationml/2006/main">
   <p:cSld>
     <p:spTree>
@@ -6788,7 +7588,7 @@
 </p:sld>
 </file>
 
-<file path=ppt/slides/slide6.xml><?xml version="1.0" encoding="utf-8"?>
+<file path=ppt/slides/slide8.xml><?xml version="1.0" encoding="utf-8"?>
 <p:sld xmlns:a="http://schemas.openxmlformats.org/drawingml/2006/main" xmlns:r="http://schemas.openxmlformats.org/officeDocument/2006/relationships" xmlns:p="http://schemas.openxmlformats.org/presentationml/2006/main">
   <p:cSld>
     <p:spTree>
@@ -6940,7 +7740,7 @@
 </p:sld>
 </file>
 
-<file path=ppt/slides/slide7.xml><?xml version="1.0" encoding="utf-8"?>
+<file path=ppt/slides/slide9.xml><?xml version="1.0" encoding="utf-8"?>
 <p:sld xmlns:a="http://schemas.openxmlformats.org/drawingml/2006/main" xmlns:r="http://schemas.openxmlformats.org/officeDocument/2006/relationships" xmlns:p="http://schemas.openxmlformats.org/presentationml/2006/main">
   <p:cSld>
     <p:spTree>
@@ -7050,271 +7850,6 @@
     <p:extLst>
       <p:ext uri="{BB962C8B-B14F-4D97-AF65-F5344CB8AC3E}">
         <p14:creationId xmlns:p14="http://schemas.microsoft.com/office/powerpoint/2010/main" val="2053817247"/>
-      </p:ext>
-    </p:extLst>
-  </p:cSld>
-  <p:clrMapOvr>
-    <a:masterClrMapping/>
-  </p:clrMapOvr>
-  <p:transition xmlns:p14="http://schemas.microsoft.com/office/powerpoint/2010/main" spd="slow" advTm="5000">
-    <p:push dir="u"/>
-  </p:transition>
-  <p:timing>
-    <p:tnLst>
-      <p:par>
-        <p:cTn xmlns:p14="http://schemas.microsoft.com/office/powerpoint/2010/main" id="1" dur="indefinite" restart="never" nodeType="tmRoot"/>
-      </p:par>
-    </p:tnLst>
-  </p:timing>
-</p:sld>
-</file>
-
-<file path=ppt/slides/slide8.xml><?xml version="1.0" encoding="utf-8"?>
-<p:sld xmlns:a="http://schemas.openxmlformats.org/drawingml/2006/main" xmlns:r="http://schemas.openxmlformats.org/officeDocument/2006/relationships" xmlns:p="http://schemas.openxmlformats.org/presentationml/2006/main">
-  <p:cSld>
-    <p:spTree>
-      <p:nvGrpSpPr>
-        <p:cNvPr id="1" name=""/>
-        <p:cNvGrpSpPr/>
-        <p:nvPr/>
-      </p:nvGrpSpPr>
-      <p:grpSpPr>
-        <a:xfrm>
-          <a:off x="0" y="0"/>
-          <a:ext cx="0" cy="0"/>
-          <a:chOff x="0" y="0"/>
-          <a:chExt cx="0" cy="0"/>
-        </a:xfrm>
-      </p:grpSpPr>
-      <p:sp>
-        <p:nvSpPr>
-          <p:cNvPr id="2" name="Title 1"/>
-          <p:cNvSpPr>
-            <a:spLocks noGrp="1"/>
-          </p:cNvSpPr>
-          <p:nvPr>
-            <p:ph type="title"/>
-          </p:nvPr>
-        </p:nvSpPr>
-        <p:spPr/>
-        <p:txBody>
-          <a:bodyPr/>
-          <a:lstStyle/>
-          <a:p>
-            <a:r>
-              <a:rPr lang="en-US" dirty="0" smtClean="0"/>
-              <a:t>Platinum Sponsor</a:t>
-            </a:r>
-            <a:endParaRPr lang="en-US" dirty="0"/>
-          </a:p>
-        </p:txBody>
-      </p:sp>
-      <p:sp>
-        <p:nvSpPr>
-          <p:cNvPr id="3" name="Text Placeholder 2"/>
-          <p:cNvSpPr>
-            <a:spLocks noGrp="1"/>
-          </p:cNvSpPr>
-          <p:nvPr>
-            <p:ph type="body" sz="quarter" idx="13"/>
-          </p:nvPr>
-        </p:nvSpPr>
-        <p:spPr/>
-        <p:txBody>
-          <a:bodyPr/>
-          <a:lstStyle/>
-          <a:p>
-            <a:r>
-              <a:rPr lang="en-US" dirty="0" smtClean="0"/>
-              <a:t>@chef</a:t>
-            </a:r>
-            <a:endParaRPr lang="en-US" dirty="0"/>
-          </a:p>
-        </p:txBody>
-      </p:sp>
-      <p:pic>
-        <p:nvPicPr>
-          <p:cNvPr id="7" name="Picture 2" descr="http://upload.wikimedia.org/wikipedia/en/5/56/Chef_Software_Inc._company_logo.png"/>
-          <p:cNvPicPr>
-            <a:picLocks noGrp="1" noChangeAspect="1" noChangeArrowheads="1"/>
-          </p:cNvPicPr>
-          <p:nvPr>
-            <p:ph type="pic" sz="quarter" idx="14"/>
-          </p:nvPr>
-        </p:nvPicPr>
-        <p:blipFill>
-          <a:blip r:embed="rId2" cstate="print">
-            <a:extLst>
-              <a:ext uri="{28A0092B-C50C-407E-A947-70E740481C1C}">
-                <a14:useLocalDpi xmlns:a14="http://schemas.microsoft.com/office/drawing/2010/main" val="0"/>
-              </a:ext>
-            </a:extLst>
-          </a:blip>
-          <a:srcRect l="-83227" r="-83227"/>
-          <a:stretch>
-            <a:fillRect/>
-          </a:stretch>
-        </p:blipFill>
-        <p:spPr bwMode="auto">
-          <a:prstGeom prst="rect">
-            <a:avLst/>
-          </a:prstGeom>
-          <a:noFill/>
-          <a:extLst>
-            <a:ext uri="{909E8E84-426E-40dd-AFC4-6F175D3DCCD1}">
-              <a14:hiddenFill xmlns:a14="http://schemas.microsoft.com/office/drawing/2010/main">
-                <a:solidFill>
-                  <a:srgbClr val="FFFFFF"/>
-                </a:solidFill>
-              </a14:hiddenFill>
-            </a:ext>
-          </a:extLst>
-        </p:spPr>
-      </p:pic>
-    </p:spTree>
-    <p:extLst>
-      <p:ext uri="{BB962C8B-B14F-4D97-AF65-F5344CB8AC3E}">
-        <p14:creationId xmlns:p14="http://schemas.microsoft.com/office/powerpoint/2010/main" val="120216747"/>
-      </p:ext>
-    </p:extLst>
-  </p:cSld>
-  <p:clrMapOvr>
-    <a:masterClrMapping/>
-  </p:clrMapOvr>
-  <p:transition xmlns:p14="http://schemas.microsoft.com/office/powerpoint/2010/main" spd="slow" advTm="5000">
-    <p:push dir="u"/>
-  </p:transition>
-  <p:timing>
-    <p:tnLst>
-      <p:par>
-        <p:cTn xmlns:p14="http://schemas.microsoft.com/office/powerpoint/2010/main" id="1" dur="indefinite" restart="never" nodeType="tmRoot"/>
-      </p:par>
-    </p:tnLst>
-  </p:timing>
-</p:sld>
-</file>
-
-<file path=ppt/slides/slide9.xml><?xml version="1.0" encoding="utf-8"?>
-<p:sld xmlns:a="http://schemas.openxmlformats.org/drawingml/2006/main" xmlns:r="http://schemas.openxmlformats.org/officeDocument/2006/relationships" xmlns:p="http://schemas.openxmlformats.org/presentationml/2006/main">
-  <p:cSld>
-    <p:spTree>
-      <p:nvGrpSpPr>
-        <p:cNvPr id="1" name=""/>
-        <p:cNvGrpSpPr/>
-        <p:nvPr/>
-      </p:nvGrpSpPr>
-      <p:grpSpPr>
-        <a:xfrm>
-          <a:off x="0" y="0"/>
-          <a:ext cx="0" cy="0"/>
-          <a:chOff x="0" y="0"/>
-          <a:chExt cx="0" cy="0"/>
-        </a:xfrm>
-      </p:grpSpPr>
-      <p:sp>
-        <p:nvSpPr>
-          <p:cNvPr id="2" name="Title 1"/>
-          <p:cNvSpPr>
-            <a:spLocks noGrp="1"/>
-          </p:cNvSpPr>
-          <p:nvPr>
-            <p:ph type="title"/>
-          </p:nvPr>
-        </p:nvSpPr>
-        <p:spPr/>
-        <p:txBody>
-          <a:bodyPr/>
-          <a:lstStyle/>
-          <a:p>
-            <a:r>
-              <a:rPr lang="en-US" dirty="0" smtClean="0"/>
-              <a:t>Platinum Sponsor</a:t>
-            </a:r>
-            <a:endParaRPr lang="en-US" dirty="0"/>
-          </a:p>
-        </p:txBody>
-      </p:sp>
-      <p:sp>
-        <p:nvSpPr>
-          <p:cNvPr id="3" name="Text Placeholder 2"/>
-          <p:cNvSpPr>
-            <a:spLocks noGrp="1"/>
-          </p:cNvSpPr>
-          <p:nvPr>
-            <p:ph type="body" sz="quarter" idx="13"/>
-          </p:nvPr>
-        </p:nvSpPr>
-        <p:spPr/>
-        <p:txBody>
-          <a:bodyPr/>
-          <a:lstStyle/>
-          <a:p>
-            <a:r>
-              <a:rPr lang="en-US" dirty="0" smtClean="0"/>
-              <a:t>@elastic</a:t>
-            </a:r>
-            <a:endParaRPr lang="en-US" dirty="0"/>
-          </a:p>
-        </p:txBody>
-      </p:sp>
-      <p:pic>
-        <p:nvPicPr>
-          <p:cNvPr id="8" name="Picture 4"/>
-          <p:cNvPicPr>
-            <a:picLocks noGrp="1" noChangeAspect="1" noChangeArrowheads="1"/>
-          </p:cNvPicPr>
-          <p:nvPr>
-            <p:ph type="pic" sz="quarter" idx="14"/>
-          </p:nvPr>
-        </p:nvPicPr>
-        <p:blipFill rotWithShape="1">
-          <a:blip r:embed="rId2">
-            <a:extLst>
-              <a:ext uri="{28A0092B-C50C-407E-A947-70E740481C1C}">
-                <a14:useLocalDpi xmlns:a14="http://schemas.microsoft.com/office/drawing/2010/main" val="0"/>
-              </a:ext>
-            </a:extLst>
-          </a:blip>
-          <a:srcRect t="-8513" b="9995"/>
-          <a:stretch/>
-        </p:blipFill>
-        <p:spPr bwMode="auto">
-          <a:xfrm>
-            <a:off x="457200" y="1168400"/>
-            <a:ext cx="8229600" cy="2843927"/>
-          </a:xfrm>
-          <a:prstGeom prst="rect">
-            <a:avLst/>
-          </a:prstGeom>
-          <a:noFill/>
-          <a:ln>
-            <a:noFill/>
-          </a:ln>
-          <a:extLst>
-            <a:ext uri="{909E8E84-426E-40dd-AFC4-6F175D3DCCD1}">
-              <a14:hiddenFill xmlns:a14="http://schemas.microsoft.com/office/drawing/2010/main">
-                <a:solidFill>
-                  <a:schemeClr val="accent1"/>
-                </a:solidFill>
-              </a14:hiddenFill>
-            </a:ext>
-            <a:ext uri="{91240B29-F687-4f45-9708-019B960494DF}">
-              <a14:hiddenLine xmlns:a14="http://schemas.microsoft.com/office/drawing/2010/main" w="9525">
-                <a:solidFill>
-                  <a:schemeClr val="tx1"/>
-                </a:solidFill>
-                <a:miter lim="800000"/>
-                <a:headEnd/>
-                <a:tailEnd/>
-              </a14:hiddenLine>
-            </a:ext>
-          </a:extLst>
-        </p:spPr>
-      </p:pic>
-    </p:spTree>
-    <p:extLst>
-      <p:ext uri="{BB962C8B-B14F-4D97-AF65-F5344CB8AC3E}">
-        <p14:creationId xmlns:p14="http://schemas.microsoft.com/office/powerpoint/2010/main" val="3926653437"/>
       </p:ext>
     </p:extLst>
   </p:cSld>
